--- a/lections/1/cpp_craft_lec_1.pptx
+++ b/lections/1/cpp_craft_lec_1.pptx
@@ -131,18 +131,10 @@
   </p:defaultTextStyle>
   <p:extLst>
     <p:ext uri="{521415D9-36F7-43E2-AB2F-B90AF26B5E84}">
-      <p14:sectionLst xmlns:p14="http://schemas.microsoft.com/office/powerpoint/2010/main" xmlns="">
+      <p14:sectionLst xmlns:p14="http://schemas.microsoft.com/office/powerpoint/2010/main">
         <p14:section name="Default Section" id="{55A7B8BD-732A-4526-9DD3-9FF743FDC6E6}">
           <p14:sldIdLst>
-            <p14:sldId id="256"/>
-            <p14:sldId id="257"/>
-            <p14:sldId id="258"/>
-            <p14:sldId id="259"/>
-            <p14:sldId id="260"/>
-            <p14:sldId id="261"/>
-            <p14:sldId id="262"/>
-            <p14:sldId id="263"/>
-            <p14:sldId id="264"/>
+            <p14:sldId id="300"/>
             <p14:sldId id="286"/>
             <p14:sldId id="265"/>
             <p14:sldId id="266"/>
@@ -358,7 +350,7 @@
             <a:fld id="{8281312E-8B3E-4748-9BAE-A66E5A6CC2C8}" type="datetimeFigureOut">
               <a:rPr lang="en-US" smtClean="0"/>
               <a:pPr/>
-              <a:t>3/5/2014</a:t>
+              <a:t>3/11/14</a:t>
             </a:fld>
             <a:endParaRPr lang="en-US"/>
           </a:p>
@@ -525,7 +517,7 @@
             <a:fld id="{8281312E-8B3E-4748-9BAE-A66E5A6CC2C8}" type="datetimeFigureOut">
               <a:rPr lang="en-US" smtClean="0"/>
               <a:pPr/>
-              <a:t>3/5/2014</a:t>
+              <a:t>3/11/14</a:t>
             </a:fld>
             <a:endParaRPr lang="en-US"/>
           </a:p>
@@ -702,7 +694,7 @@
             <a:fld id="{8281312E-8B3E-4748-9BAE-A66E5A6CC2C8}" type="datetimeFigureOut">
               <a:rPr lang="en-US" smtClean="0"/>
               <a:pPr/>
-              <a:t>3/5/2014</a:t>
+              <a:t>3/11/14</a:t>
             </a:fld>
             <a:endParaRPr lang="en-US"/>
           </a:p>
@@ -869,7 +861,7 @@
             <a:fld id="{8281312E-8B3E-4748-9BAE-A66E5A6CC2C8}" type="datetimeFigureOut">
               <a:rPr lang="en-US" smtClean="0"/>
               <a:pPr/>
-              <a:t>3/5/2014</a:t>
+              <a:t>3/11/14</a:t>
             </a:fld>
             <a:endParaRPr lang="en-US"/>
           </a:p>
@@ -1112,7 +1104,7 @@
             <a:fld id="{8281312E-8B3E-4748-9BAE-A66E5A6CC2C8}" type="datetimeFigureOut">
               <a:rPr lang="en-US" smtClean="0"/>
               <a:pPr/>
-              <a:t>3/5/2014</a:t>
+              <a:t>3/11/14</a:t>
             </a:fld>
             <a:endParaRPr lang="en-US"/>
           </a:p>
@@ -1397,7 +1389,7 @@
             <a:fld id="{8281312E-8B3E-4748-9BAE-A66E5A6CC2C8}" type="datetimeFigureOut">
               <a:rPr lang="en-US" smtClean="0"/>
               <a:pPr/>
-              <a:t>3/5/2014</a:t>
+              <a:t>3/11/14</a:t>
             </a:fld>
             <a:endParaRPr lang="en-US"/>
           </a:p>
@@ -1816,7 +1808,7 @@
             <a:fld id="{8281312E-8B3E-4748-9BAE-A66E5A6CC2C8}" type="datetimeFigureOut">
               <a:rPr lang="en-US" smtClean="0"/>
               <a:pPr/>
-              <a:t>3/5/2014</a:t>
+              <a:t>3/11/14</a:t>
             </a:fld>
             <a:endParaRPr lang="en-US"/>
           </a:p>
@@ -1931,7 +1923,7 @@
             <a:fld id="{8281312E-8B3E-4748-9BAE-A66E5A6CC2C8}" type="datetimeFigureOut">
               <a:rPr lang="en-US" smtClean="0"/>
               <a:pPr/>
-              <a:t>3/5/2014</a:t>
+              <a:t>3/11/14</a:t>
             </a:fld>
             <a:endParaRPr lang="en-US"/>
           </a:p>
@@ -2023,7 +2015,7 @@
             <a:fld id="{8281312E-8B3E-4748-9BAE-A66E5A6CC2C8}" type="datetimeFigureOut">
               <a:rPr lang="en-US" smtClean="0"/>
               <a:pPr/>
-              <a:t>3/5/2014</a:t>
+              <a:t>3/11/14</a:t>
             </a:fld>
             <a:endParaRPr lang="en-US"/>
           </a:p>
@@ -2297,7 +2289,7 @@
             <a:fld id="{8281312E-8B3E-4748-9BAE-A66E5A6CC2C8}" type="datetimeFigureOut">
               <a:rPr lang="en-US" smtClean="0"/>
               <a:pPr/>
-              <a:t>3/5/2014</a:t>
+              <a:t>3/11/14</a:t>
             </a:fld>
             <a:endParaRPr lang="en-US"/>
           </a:p>
@@ -2547,7 +2539,7 @@
             <a:fld id="{8281312E-8B3E-4748-9BAE-A66E5A6CC2C8}" type="datetimeFigureOut">
               <a:rPr lang="en-US" smtClean="0"/>
               <a:pPr/>
-              <a:t>3/5/2014</a:t>
+              <a:t>3/11/14</a:t>
             </a:fld>
             <a:endParaRPr lang="en-US"/>
           </a:p>
@@ -2757,7 +2749,7 @@
             <a:fld id="{8281312E-8B3E-4748-9BAE-A66E5A6CC2C8}" type="datetimeFigureOut">
               <a:rPr lang="en-US" smtClean="0"/>
               <a:pPr/>
-              <a:t>3/5/2014</a:t>
+              <a:t>3/11/14</a:t>
             </a:fld>
             <a:endParaRPr lang="en-US"/>
           </a:p>
@@ -3149,11 +3141,7 @@
             </a:r>
             <a:r>
               <a:rPr lang="en-US" dirty="0" smtClean="0"/>
-              <a:t>Craft: </a:t>
-            </a:r>
-            <a:r>
-              <a:rPr lang="en-US" dirty="0" smtClean="0"/>
-              <a:t>#1</a:t>
+              <a:t>Craft: #1</a:t>
             </a:r>
             <a:endParaRPr lang="en-US" dirty="0"/>
           </a:p>
@@ -3178,11 +3166,7 @@
           <a:p>
             <a:r>
               <a:rPr lang="ru-RU" b="1" dirty="0" smtClean="0"/>
-              <a:t>Инструменты процедурного программирования С/С</a:t>
-            </a:r>
-            <a:r>
-              <a:rPr lang="ru-RU" b="1" dirty="0" smtClean="0"/>
-              <a:t>++</a:t>
+              <a:t>Инструменты процедурного программирования С/С++</a:t>
             </a:r>
             <a:endParaRPr lang="en-US" dirty="0"/>
           </a:p>
@@ -3220,7 +3204,7 @@
   <p:timing>
     <p:tnLst>
       <p:par>
-        <p:cTn id="1" dur="indefinite" restart="never" nodeType="tmRoot"/>
+        <p:cTn xmlns:p14="http://schemas.microsoft.com/office/powerpoint/2010/main" id="1" dur="indefinite" restart="never" nodeType="tmRoot"/>
       </p:par>
     </p:tnLst>
   </p:timing>
@@ -3648,7 +3632,7 @@
     </p:spTree>
     <p:extLst>
       <p:ext uri="{BB962C8B-B14F-4D97-AF65-F5344CB8AC3E}">
-        <p14:creationId xmlns:p14="http://schemas.microsoft.com/office/powerpoint/2010/main" xmlns="" val="3345846644"/>
+        <p14:creationId xmlns:p14="http://schemas.microsoft.com/office/powerpoint/2010/main" val="3345846644"/>
       </p:ext>
     </p:extLst>
   </p:cSld>
@@ -3658,7 +3642,7 @@
   <p:timing>
     <p:tnLst>
       <p:par>
-        <p:cTn id="1" dur="indefinite" restart="never" nodeType="tmRoot"/>
+        <p:cTn xmlns:p14="http://schemas.microsoft.com/office/powerpoint/2010/main" id="1" dur="indefinite" restart="never" nodeType="tmRoot"/>
       </p:par>
     </p:tnLst>
   </p:timing>
@@ -3863,7 +3847,7 @@
   <p:timing>
     <p:tnLst>
       <p:par>
-        <p:cTn id="1" dur="indefinite" restart="never" nodeType="tmRoot"/>
+        <p:cTn xmlns:p14="http://schemas.microsoft.com/office/powerpoint/2010/main" id="1" dur="indefinite" restart="never" nodeType="tmRoot"/>
       </p:par>
     </p:tnLst>
   </p:timing>
@@ -3928,8 +3912,8 @@
           </a:prstGeom>
           <a:noFill/>
           <a:extLst>
-            <a:ext uri="{909E8E84-426E-40DD-AFC4-6F175D3DCCD1}">
-              <a14:hiddenFill xmlns:a14="http://schemas.microsoft.com/office/drawing/2010/main" xmlns="">
+            <a:ext uri="{909E8E84-426E-40dd-AFC4-6F175D3DCCD1}">
+              <a14:hiddenFill xmlns:a14="http://schemas.microsoft.com/office/drawing/2010/main">
                 <a:solidFill>
                   <a:srgbClr val="FFFFFF"/>
                 </a:solidFill>
@@ -4140,7 +4124,52 @@
                 </a:solidFill>
                 <a:latin typeface="Consolas"/>
               </a:rPr>
-              <a:t> f(color&amp; c)</a:t>
+              <a:t> f</a:t>
+            </a:r>
+            <a:r>
+              <a:rPr lang="en-US" sz="3700" dirty="0">
+                <a:solidFill>
+                  <a:prstClr val="black"/>
+                </a:solidFill>
+                <a:latin typeface="Consolas"/>
+              </a:rPr>
+              <a:t>(</a:t>
+            </a:r>
+            <a:r>
+              <a:rPr lang="en-US" sz="3700" dirty="0" err="1" smtClean="0">
+                <a:solidFill>
+                  <a:prstClr val="black"/>
+                </a:solidFill>
+                <a:latin typeface="Consolas"/>
+              </a:rPr>
+              <a:t>constcolor</a:t>
+            </a:r>
+            <a:r>
+              <a:rPr lang="en-US" sz="3700" dirty="0" smtClean="0">
+                <a:solidFill>
+                  <a:prstClr val="black"/>
+                </a:solidFill>
+                <a:latin typeface="Consolas"/>
+              </a:rPr>
+              <a:t> </a:t>
+            </a:r>
+            <a:r>
+              <a:rPr lang="en-US" sz="3700" dirty="0">
+                <a:solidFill>
+                  <a:prstClr val="black"/>
+                </a:solidFill>
+                <a:latin typeface="Consolas"/>
+              </a:rPr>
+              <a:t>&amp; </a:t>
+            </a:r>
+            <a:r>
+              <a:rPr lang="en-US" sz="3700" dirty="0">
+                <a:solidFill>
+                  <a:prstClr val="black"/>
+                </a:solidFill>
+                <a:latin typeface="Consolas"/>
+              </a:rPr>
+              <a:t>c)</a:t>
             </a:r>
           </a:p>
           <a:p>
@@ -4645,7 +4674,7 @@
           <a:blip r:embed="rId2" cstate="print">
             <a:extLst>
               <a:ext uri="{28A0092B-C50C-407E-A947-70E740481C1C}">
-                <a14:useLocalDpi xmlns:a14="http://schemas.microsoft.com/office/drawing/2010/main" xmlns="" val="0"/>
+                <a14:useLocalDpi xmlns:a14="http://schemas.microsoft.com/office/drawing/2010/main" val="0"/>
               </a:ext>
             </a:extLst>
           </a:blip>
@@ -4668,15 +4697,15 @@
           </a:ln>
           <a:effectLst/>
           <a:extLst>
-            <a:ext uri="{909E8E84-426E-40DD-AFC4-6F175D3DCCD1}">
-              <a14:hiddenFill xmlns:a14="http://schemas.microsoft.com/office/drawing/2010/main" xmlns="">
+            <a:ext uri="{909E8E84-426E-40dd-AFC4-6F175D3DCCD1}">
+              <a14:hiddenFill xmlns:a14="http://schemas.microsoft.com/office/drawing/2010/main">
                 <a:solidFill>
                   <a:schemeClr val="accent1"/>
                 </a:solidFill>
               </a14:hiddenFill>
             </a:ext>
-            <a:ext uri="{91240B29-F687-4F45-9708-019B960494DF}">
-              <a14:hiddenLine xmlns:a14="http://schemas.microsoft.com/office/drawing/2010/main" xmlns="" w="9525">
+            <a:ext uri="{91240B29-F687-4f45-9708-019B960494DF}">
+              <a14:hiddenLine xmlns:a14="http://schemas.microsoft.com/office/drawing/2010/main" w="9525">
                 <a:solidFill>
                   <a:schemeClr val="tx1"/>
                 </a:solidFill>
@@ -4685,8 +4714,8 @@
                 <a:tailEnd/>
               </a14:hiddenLine>
             </a:ext>
-            <a:ext uri="{AF507438-7753-43E0-B8FC-AC1667EBCBE1}">
-              <a14:hiddenEffects xmlns:a14="http://schemas.microsoft.com/office/drawing/2010/main" xmlns="">
+            <a:ext uri="{AF507438-7753-43e0-B8FC-AC1667EBCBE1}">
+              <a14:hiddenEffects xmlns:a14="http://schemas.microsoft.com/office/drawing/2010/main">
                 <a:effectLst>
                   <a:outerShdw dist="35921" dir="2700000" algn="ctr" rotWithShape="0">
                     <a:schemeClr val="bg2"/>
@@ -4700,7 +4729,7 @@
     </p:spTree>
     <p:extLst>
       <p:ext uri="{BB962C8B-B14F-4D97-AF65-F5344CB8AC3E}">
-        <p14:creationId xmlns:p14="http://schemas.microsoft.com/office/powerpoint/2010/main" xmlns="" val="398555867"/>
+        <p14:creationId xmlns:p14="http://schemas.microsoft.com/office/powerpoint/2010/main" val="398555867"/>
       </p:ext>
     </p:extLst>
   </p:cSld>
@@ -4710,7 +4739,7 @@
   <p:timing>
     <p:tnLst>
       <p:par>
-        <p:cTn id="1" dur="indefinite" restart="never" nodeType="tmRoot"/>
+        <p:cTn xmlns:p14="http://schemas.microsoft.com/office/powerpoint/2010/main" id="1" dur="indefinite" restart="never" nodeType="tmRoot"/>
       </p:par>
     </p:tnLst>
   </p:timing>
@@ -4872,7 +4901,7 @@
     </p:spTree>
     <p:extLst>
       <p:ext uri="{BB962C8B-B14F-4D97-AF65-F5344CB8AC3E}">
-        <p14:creationId xmlns:p14="http://schemas.microsoft.com/office/powerpoint/2010/main" xmlns="" val="3319617567"/>
+        <p14:creationId xmlns:p14="http://schemas.microsoft.com/office/powerpoint/2010/main" val="3319617567"/>
       </p:ext>
     </p:extLst>
   </p:cSld>
@@ -4882,7 +4911,7 @@
   <p:timing>
     <p:tnLst>
       <p:par>
-        <p:cTn id="1" dur="indefinite" restart="never" nodeType="tmRoot"/>
+        <p:cTn xmlns:p14="http://schemas.microsoft.com/office/powerpoint/2010/main" id="1" dur="indefinite" restart="never" nodeType="tmRoot"/>
       </p:par>
     </p:tnLst>
   </p:timing>
@@ -5208,7 +5237,7 @@
     </p:spTree>
     <p:extLst>
       <p:ext uri="{BB962C8B-B14F-4D97-AF65-F5344CB8AC3E}">
-        <p14:creationId xmlns:p14="http://schemas.microsoft.com/office/powerpoint/2010/main" xmlns="" val="432689862"/>
+        <p14:creationId xmlns:p14="http://schemas.microsoft.com/office/powerpoint/2010/main" val="432689862"/>
       </p:ext>
     </p:extLst>
   </p:cSld>
@@ -5218,7 +5247,7 @@
   <p:timing>
     <p:tnLst>
       <p:par>
-        <p:cTn id="1" dur="indefinite" restart="never" nodeType="tmRoot"/>
+        <p:cTn xmlns:p14="http://schemas.microsoft.com/office/powerpoint/2010/main" id="1" dur="indefinite" restart="never" nodeType="tmRoot"/>
       </p:par>
     </p:tnLst>
   </p:timing>
@@ -5254,7 +5283,7 @@
           <a:blip r:embed="rId2" cstate="print">
             <a:extLst>
               <a:ext uri="{28A0092B-C50C-407E-A947-70E740481C1C}">
-                <a14:useLocalDpi xmlns:a14="http://schemas.microsoft.com/office/drawing/2010/main" xmlns="" val="0"/>
+                <a14:useLocalDpi xmlns:a14="http://schemas.microsoft.com/office/drawing/2010/main" val="0"/>
               </a:ext>
             </a:extLst>
           </a:blip>
@@ -5273,8 +5302,8 @@
           </a:prstGeom>
           <a:noFill/>
           <a:extLst>
-            <a:ext uri="{909E8E84-426E-40DD-AFC4-6F175D3DCCD1}">
-              <a14:hiddenFill xmlns:a14="http://schemas.microsoft.com/office/drawing/2010/main" xmlns="">
+            <a:ext uri="{909E8E84-426E-40dd-AFC4-6F175D3DCCD1}">
+              <a14:hiddenFill xmlns:a14="http://schemas.microsoft.com/office/drawing/2010/main">
                 <a:solidFill>
                   <a:srgbClr val="FFFFFF"/>
                 </a:solidFill>
@@ -5286,7 +5315,7 @@
     </p:spTree>
     <p:extLst>
       <p:ext uri="{BB962C8B-B14F-4D97-AF65-F5344CB8AC3E}">
-        <p14:creationId xmlns:p14="http://schemas.microsoft.com/office/powerpoint/2010/main" xmlns="" val="1694447447"/>
+        <p14:creationId xmlns:p14="http://schemas.microsoft.com/office/powerpoint/2010/main" val="1694447447"/>
       </p:ext>
     </p:extLst>
   </p:cSld>
@@ -5296,7 +5325,7 @@
   <p:timing>
     <p:tnLst>
       <p:par>
-        <p:cTn id="1" dur="indefinite" restart="never" nodeType="tmRoot"/>
+        <p:cTn xmlns:p14="http://schemas.microsoft.com/office/powerpoint/2010/main" id="1" dur="indefinite" restart="never" nodeType="tmRoot"/>
       </p:par>
     </p:tnLst>
   </p:timing>
@@ -5478,7 +5507,7 @@
   <p:timing>
     <p:tnLst>
       <p:par>
-        <p:cTn id="1" dur="indefinite" restart="never" nodeType="tmRoot"/>
+        <p:cTn xmlns:p14="http://schemas.microsoft.com/office/powerpoint/2010/main" id="1" dur="indefinite" restart="never" nodeType="tmRoot"/>
       </p:par>
     </p:tnLst>
   </p:timing>
@@ -5722,7 +5751,7 @@
     </p:spTree>
     <p:extLst>
       <p:ext uri="{BB962C8B-B14F-4D97-AF65-F5344CB8AC3E}">
-        <p14:creationId xmlns:p14="http://schemas.microsoft.com/office/powerpoint/2010/main" xmlns="" val="936733698"/>
+        <p14:creationId xmlns:p14="http://schemas.microsoft.com/office/powerpoint/2010/main" val="936733698"/>
       </p:ext>
     </p:extLst>
   </p:cSld>
@@ -5732,7 +5761,7 @@
   <p:timing>
     <p:tnLst>
       <p:par>
-        <p:cTn id="1" dur="indefinite" restart="never" nodeType="tmRoot"/>
+        <p:cTn xmlns:p14="http://schemas.microsoft.com/office/powerpoint/2010/main" id="1" dur="indefinite" restart="never" nodeType="tmRoot"/>
       </p:par>
     </p:tnLst>
   </p:timing>
@@ -5992,7 +6021,7 @@
     </p:spTree>
     <p:extLst>
       <p:ext uri="{BB962C8B-B14F-4D97-AF65-F5344CB8AC3E}">
-        <p14:creationId xmlns:p14="http://schemas.microsoft.com/office/powerpoint/2010/main" xmlns="" val="4109087951"/>
+        <p14:creationId xmlns:p14="http://schemas.microsoft.com/office/powerpoint/2010/main" val="4109087951"/>
       </p:ext>
     </p:extLst>
   </p:cSld>
@@ -6002,7 +6031,7 @@
   <p:timing>
     <p:tnLst>
       <p:par>
-        <p:cTn id="1" dur="indefinite" restart="never" nodeType="tmRoot"/>
+        <p:cTn xmlns:p14="http://schemas.microsoft.com/office/powerpoint/2010/main" id="1" dur="indefinite" restart="never" nodeType="tmRoot"/>
       </p:par>
     </p:tnLst>
   </p:timing>
@@ -6369,7 +6398,7 @@
     </p:spTree>
     <p:extLst>
       <p:ext uri="{BB962C8B-B14F-4D97-AF65-F5344CB8AC3E}">
-        <p14:creationId xmlns:p14="http://schemas.microsoft.com/office/powerpoint/2010/main" xmlns="" val="3881007393"/>
+        <p14:creationId xmlns:p14="http://schemas.microsoft.com/office/powerpoint/2010/main" val="3881007393"/>
       </p:ext>
     </p:extLst>
   </p:cSld>
@@ -6379,7 +6408,7 @@
   <p:timing>
     <p:tnLst>
       <p:par>
-        <p:cTn id="1" dur="indefinite" restart="never" nodeType="tmRoot"/>
+        <p:cTn xmlns:p14="http://schemas.microsoft.com/office/powerpoint/2010/main" id="1" dur="indefinite" restart="never" nodeType="tmRoot"/>
       </p:par>
     </p:tnLst>
   </p:timing>
@@ -7279,8 +7308,8 @@
           </a:prstGeom>
           <a:noFill/>
           <a:extLst>
-            <a:ext uri="{909E8E84-426E-40DD-AFC4-6F175D3DCCD1}">
-              <a14:hiddenFill xmlns:a14="http://schemas.microsoft.com/office/drawing/2010/main" xmlns="">
+            <a:ext uri="{909E8E84-426E-40dd-AFC4-6F175D3DCCD1}">
+              <a14:hiddenFill xmlns:a14="http://schemas.microsoft.com/office/drawing/2010/main">
                 <a:solidFill>
                   <a:srgbClr val="FFFFFF"/>
                 </a:solidFill>
@@ -7312,7 +7341,7 @@
           <a:blip r:embed="rId2" cstate="print">
             <a:extLst>
               <a:ext uri="{28A0092B-C50C-407E-A947-70E740481C1C}">
-                <a14:useLocalDpi xmlns:a14="http://schemas.microsoft.com/office/drawing/2010/main" xmlns="" val="0"/>
+                <a14:useLocalDpi xmlns:a14="http://schemas.microsoft.com/office/drawing/2010/main" val="0"/>
               </a:ext>
             </a:extLst>
           </a:blip>
@@ -7335,15 +7364,15 @@
           </a:ln>
           <a:effectLst/>
           <a:extLst>
-            <a:ext uri="{909E8E84-426E-40DD-AFC4-6F175D3DCCD1}">
-              <a14:hiddenFill xmlns:a14="http://schemas.microsoft.com/office/drawing/2010/main" xmlns="">
+            <a:ext uri="{909E8E84-426E-40dd-AFC4-6F175D3DCCD1}">
+              <a14:hiddenFill xmlns:a14="http://schemas.microsoft.com/office/drawing/2010/main">
                 <a:solidFill>
                   <a:schemeClr val="accent1"/>
                 </a:solidFill>
               </a14:hiddenFill>
             </a:ext>
-            <a:ext uri="{91240B29-F687-4F45-9708-019B960494DF}">
-              <a14:hiddenLine xmlns:a14="http://schemas.microsoft.com/office/drawing/2010/main" xmlns="" w="9525">
+            <a:ext uri="{91240B29-F687-4f45-9708-019B960494DF}">
+              <a14:hiddenLine xmlns:a14="http://schemas.microsoft.com/office/drawing/2010/main" w="9525">
                 <a:solidFill>
                   <a:schemeClr val="tx1"/>
                 </a:solidFill>
@@ -7352,8 +7381,8 @@
                 <a:tailEnd/>
               </a14:hiddenLine>
             </a:ext>
-            <a:ext uri="{AF507438-7753-43E0-B8FC-AC1667EBCBE1}">
-              <a14:hiddenEffects xmlns:a14="http://schemas.microsoft.com/office/drawing/2010/main" xmlns="">
+            <a:ext uri="{AF507438-7753-43e0-B8FC-AC1667EBCBE1}">
+              <a14:hiddenEffects xmlns:a14="http://schemas.microsoft.com/office/drawing/2010/main">
                 <a:effectLst>
                   <a:outerShdw dist="35921" dir="2700000" algn="ctr" rotWithShape="0">
                     <a:schemeClr val="bg2"/>
@@ -7367,7 +7396,7 @@
     </p:spTree>
     <p:extLst>
       <p:ext uri="{BB962C8B-B14F-4D97-AF65-F5344CB8AC3E}">
-        <p14:creationId xmlns:p14="http://schemas.microsoft.com/office/powerpoint/2010/main" xmlns="" val="172924817"/>
+        <p14:creationId xmlns:p14="http://schemas.microsoft.com/office/powerpoint/2010/main" val="172924817"/>
       </p:ext>
     </p:extLst>
   </p:cSld>
@@ -7377,7 +7406,7 @@
   <p:timing>
     <p:tnLst>
       <p:par>
-        <p:cTn id="1" dur="indefinite" restart="never" nodeType="tmRoot"/>
+        <p:cTn xmlns:p14="http://schemas.microsoft.com/office/powerpoint/2010/main" id="1" dur="indefinite" restart="never" nodeType="tmRoot"/>
       </p:par>
     </p:tnLst>
   </p:timing>
@@ -7909,7 +7938,7 @@
     </p:spTree>
     <p:extLst>
       <p:ext uri="{BB962C8B-B14F-4D97-AF65-F5344CB8AC3E}">
-        <p14:creationId xmlns:p14="http://schemas.microsoft.com/office/powerpoint/2010/main" xmlns="" val="3481411572"/>
+        <p14:creationId xmlns:p14="http://schemas.microsoft.com/office/powerpoint/2010/main" val="3481411572"/>
       </p:ext>
     </p:extLst>
   </p:cSld>
@@ -7919,7 +7948,7 @@
   <p:timing>
     <p:tnLst>
       <p:par>
-        <p:cTn id="1" dur="indefinite" restart="never" nodeType="tmRoot"/>
+        <p:cTn xmlns:p14="http://schemas.microsoft.com/office/powerpoint/2010/main" id="1" dur="indefinite" restart="never" nodeType="tmRoot"/>
       </p:par>
     </p:tnLst>
   </p:timing>
@@ -8167,7 +8196,7 @@
     </p:spTree>
     <p:extLst>
       <p:ext uri="{BB962C8B-B14F-4D97-AF65-F5344CB8AC3E}">
-        <p14:creationId xmlns:p14="http://schemas.microsoft.com/office/powerpoint/2010/main" xmlns="" val="1655275176"/>
+        <p14:creationId xmlns:p14="http://schemas.microsoft.com/office/powerpoint/2010/main" val="1655275176"/>
       </p:ext>
     </p:extLst>
   </p:cSld>
@@ -8331,7 +8360,7 @@
     </p:spTree>
     <p:extLst>
       <p:ext uri="{BB962C8B-B14F-4D97-AF65-F5344CB8AC3E}">
-        <p14:creationId xmlns:p14="http://schemas.microsoft.com/office/powerpoint/2010/main" xmlns="" val="3113148098"/>
+        <p14:creationId xmlns:p14="http://schemas.microsoft.com/office/powerpoint/2010/main" val="3113148098"/>
       </p:ext>
     </p:extLst>
   </p:cSld>
@@ -8341,7 +8370,7 @@
   <p:timing>
     <p:tnLst>
       <p:par>
-        <p:cTn id="1" dur="indefinite" restart="never" nodeType="tmRoot"/>
+        <p:cTn xmlns:p14="http://schemas.microsoft.com/office/powerpoint/2010/main" id="1" dur="indefinite" restart="never" nodeType="tmRoot"/>
       </p:par>
     </p:tnLst>
   </p:timing>
@@ -9034,7 +9063,7 @@
     </p:spTree>
     <p:extLst>
       <p:ext uri="{BB962C8B-B14F-4D97-AF65-F5344CB8AC3E}">
-        <p14:creationId xmlns:p14="http://schemas.microsoft.com/office/powerpoint/2010/main" xmlns="" val="3301300149"/>
+        <p14:creationId xmlns:p14="http://schemas.microsoft.com/office/powerpoint/2010/main" val="3301300149"/>
       </p:ext>
     </p:extLst>
   </p:cSld>
@@ -9044,7 +9073,7 @@
   <p:timing>
     <p:tnLst>
       <p:par>
-        <p:cTn id="1" dur="indefinite" restart="never" nodeType="tmRoot"/>
+        <p:cTn xmlns:p14="http://schemas.microsoft.com/office/powerpoint/2010/main" id="1" dur="indefinite" restart="never" nodeType="tmRoot"/>
       </p:par>
     </p:tnLst>
   </p:timing>
@@ -9453,7 +9482,7 @@
     </p:spTree>
     <p:extLst>
       <p:ext uri="{BB962C8B-B14F-4D97-AF65-F5344CB8AC3E}">
-        <p14:creationId xmlns:p14="http://schemas.microsoft.com/office/powerpoint/2010/main" xmlns="" val="2751812043"/>
+        <p14:creationId xmlns:p14="http://schemas.microsoft.com/office/powerpoint/2010/main" val="2751812043"/>
       </p:ext>
     </p:extLst>
   </p:cSld>
@@ -9463,7 +9492,7 @@
   <p:timing>
     <p:tnLst>
       <p:par>
-        <p:cTn id="1" dur="indefinite" restart="never" nodeType="tmRoot"/>
+        <p:cTn xmlns:p14="http://schemas.microsoft.com/office/powerpoint/2010/main" id="1" dur="indefinite" restart="never" nodeType="tmRoot"/>
       </p:par>
     </p:tnLst>
   </p:timing>
@@ -10339,7 +10368,7 @@
     </p:spTree>
     <p:extLst>
       <p:ext uri="{BB962C8B-B14F-4D97-AF65-F5344CB8AC3E}">
-        <p14:creationId xmlns:p14="http://schemas.microsoft.com/office/powerpoint/2010/main" xmlns="" val="3651047695"/>
+        <p14:creationId xmlns:p14="http://schemas.microsoft.com/office/powerpoint/2010/main" val="3651047695"/>
       </p:ext>
     </p:extLst>
   </p:cSld>
@@ -10349,7 +10378,7 @@
   <p:timing>
     <p:tnLst>
       <p:par>
-        <p:cTn id="1" dur="indefinite" restart="never" nodeType="tmRoot"/>
+        <p:cTn xmlns:p14="http://schemas.microsoft.com/office/powerpoint/2010/main" id="1" dur="indefinite" restart="never" nodeType="tmRoot"/>
       </p:par>
     </p:tnLst>
   </p:timing>
@@ -10423,7 +10452,7 @@
   <p:timing>
     <p:tnLst>
       <p:par>
-        <p:cTn id="1" dur="indefinite" restart="never" nodeType="tmRoot"/>
+        <p:cTn xmlns:p14="http://schemas.microsoft.com/office/powerpoint/2010/main" id="1" dur="indefinite" restart="never" nodeType="tmRoot"/>
       </p:par>
     </p:tnLst>
   </p:timing>
@@ -10539,7 +10568,7 @@
   <p:timing>
     <p:tnLst>
       <p:par>
-        <p:cTn id="1" dur="indefinite" restart="never" nodeType="tmRoot"/>
+        <p:cTn xmlns:p14="http://schemas.microsoft.com/office/powerpoint/2010/main" id="1" dur="indefinite" restart="never" nodeType="tmRoot"/>
       </p:par>
     </p:tnLst>
   </p:timing>
@@ -10690,7 +10719,7 @@
   <p:timing>
     <p:tnLst>
       <p:par>
-        <p:cTn id="1" dur="indefinite" restart="never" nodeType="tmRoot"/>
+        <p:cTn xmlns:p14="http://schemas.microsoft.com/office/powerpoint/2010/main" id="1" dur="indefinite" restart="never" nodeType="tmRoot"/>
       </p:par>
     </p:tnLst>
   </p:timing>
@@ -10826,7 +10855,7 @@
   <p:timing>
     <p:tnLst>
       <p:par>
-        <p:cTn id="1" dur="indefinite" restart="never" nodeType="tmRoot"/>
+        <p:cTn xmlns:p14="http://schemas.microsoft.com/office/powerpoint/2010/main" id="1" dur="indefinite" restart="never" nodeType="tmRoot"/>
       </p:par>
     </p:tnLst>
   </p:timing>
@@ -11045,7 +11074,7 @@
   <p:timing>
     <p:tnLst>
       <p:par>
-        <p:cTn id="1" dur="indefinite" restart="never" nodeType="tmRoot"/>
+        <p:cTn xmlns:p14="http://schemas.microsoft.com/office/powerpoint/2010/main" id="1" dur="indefinite" restart="never" nodeType="tmRoot"/>
       </p:par>
     </p:tnLst>
   </p:timing>
@@ -11286,7 +11315,7 @@
   <p:timing>
     <p:tnLst>
       <p:par>
-        <p:cTn id="1" dur="indefinite" restart="never" nodeType="tmRoot"/>
+        <p:cTn xmlns:p14="http://schemas.microsoft.com/office/powerpoint/2010/main" id="1" dur="indefinite" restart="never" nodeType="tmRoot"/>
       </p:par>
     </p:tnLst>
   </p:timing>
@@ -11504,7 +11533,15 @@
             </a:r>
             <a:r>
               <a:rPr lang="en-US" dirty="0" smtClean="0"/>
-              <a:t> * const </a:t>
+              <a:t> </a:t>
+            </a:r>
+            <a:r>
+              <a:rPr lang="en-US" dirty="0" err="1" smtClean="0"/>
+              <a:t>const</a:t>
+            </a:r>
+            <a:r>
+              <a:rPr lang="en-US" dirty="0" smtClean="0"/>
+              <a:t> * </a:t>
             </a:r>
             <a:r>
               <a:rPr lang="en-US" dirty="0" err="1" smtClean="0"/>
@@ -11512,7 +11549,11 @@
             </a:r>
             <a:r>
               <a:rPr lang="en-US" dirty="0" smtClean="0"/>
-              <a:t> )  {}</a:t>
+              <a:t> </a:t>
+            </a:r>
+            <a:r>
+              <a:rPr lang="en-US" dirty="0" smtClean="0"/>
+              <a:t>)  {}</a:t>
             </a:r>
           </a:p>
           <a:p>
@@ -11630,7 +11671,7 @@
     </p:spTree>
     <p:extLst>
       <p:ext uri="{BB962C8B-B14F-4D97-AF65-F5344CB8AC3E}">
-        <p14:creationId xmlns:p14="http://schemas.microsoft.com/office/powerpoint/2010/main" xmlns="" val="2794934259"/>
+        <p14:creationId xmlns:p14="http://schemas.microsoft.com/office/powerpoint/2010/main" val="2794934259"/>
       </p:ext>
     </p:extLst>
   </p:cSld>
@@ -11640,7 +11681,7 @@
   <p:timing>
     <p:tnLst>
       <p:par>
-        <p:cTn id="1" dur="indefinite" restart="never" nodeType="tmRoot"/>
+        <p:cTn xmlns:p14="http://schemas.microsoft.com/office/powerpoint/2010/main" id="1" dur="indefinite" restart="never" nodeType="tmRoot"/>
       </p:par>
     </p:tnLst>
   </p:timing>
@@ -12295,7 +12336,7 @@
     </p:spTree>
     <p:extLst>
       <p:ext uri="{BB962C8B-B14F-4D97-AF65-F5344CB8AC3E}">
-        <p14:creationId xmlns:p14="http://schemas.microsoft.com/office/powerpoint/2010/main" xmlns="" val="4113187338"/>
+        <p14:creationId xmlns:p14="http://schemas.microsoft.com/office/powerpoint/2010/main" val="4113187338"/>
       </p:ext>
     </p:extLst>
   </p:cSld>
@@ -12305,7 +12346,7 @@
   <p:timing>
     <p:tnLst>
       <p:par>
-        <p:cTn id="1" dur="indefinite" restart="never" nodeType="tmRoot"/>
+        <p:cTn xmlns:p14="http://schemas.microsoft.com/office/powerpoint/2010/main" id="1" dur="indefinite" restart="never" nodeType="tmRoot"/>
       </p:par>
     </p:tnLst>
   </p:timing>
